--- a/slides/05_games.pptx
+++ b/slides/05_games.pptx
@@ -5555,7 +5555,7 @@
             <a:fld id="{46E2045A-045A-4BC7-A4D3-1395440B1C3D}" type="datetimeFigureOut">
               <a:rPr lang="en-US" smtClean="0"/>
               <a:pPr/>
-              <a:t>11/12/2025</a:t>
+              <a:t>12/15/2025</a:t>
             </a:fld>
             <a:endParaRPr lang="en-US"/>
           </a:p>
@@ -13571,7 +13571,7 @@
         </p:blipFill>
         <p:spPr>
           <a:xfrm>
-            <a:off x="228600" y="1690689"/>
+            <a:off x="234111" y="1673124"/>
             <a:ext cx="8077200" cy="4913117"/>
           </a:xfrm>
           <a:prstGeom prst="rect">
@@ -14759,387 +14759,6 @@
           </p:style>
         </p:cxnSp>
       </p:grpSp>
-      <p:grpSp>
-        <p:nvGrpSpPr>
-          <p:cNvPr id="16" name="Group 15">
-            <a:extLst>
-              <a:ext uri="{FF2B5EF4-FFF2-40B4-BE49-F238E27FC236}">
-                <a16:creationId xmlns:a16="http://schemas.microsoft.com/office/drawing/2014/main" id="{D0180724-435B-86AE-DF86-6E2BD2F28E1A}"/>
-              </a:ext>
-            </a:extLst>
-          </p:cNvPr>
-          <p:cNvGrpSpPr/>
-          <p:nvPr/>
-        </p:nvGrpSpPr>
-        <p:grpSpPr>
-          <a:xfrm>
-            <a:off x="1512512" y="4307272"/>
-            <a:ext cx="2276057" cy="1407728"/>
-            <a:chOff x="1512512" y="4307272"/>
-            <a:chExt cx="2276057" cy="1407728"/>
-          </a:xfrm>
-        </p:grpSpPr>
-        <p:grpSp>
-          <p:nvGrpSpPr>
-            <p:cNvPr id="13" name="Group 12">
-              <a:extLst>
-                <a:ext uri="{FF2B5EF4-FFF2-40B4-BE49-F238E27FC236}">
-                  <a16:creationId xmlns:a16="http://schemas.microsoft.com/office/drawing/2014/main" id="{3C9A5B83-7492-02D1-B11F-438FDE55DD4E}"/>
-                </a:ext>
-              </a:extLst>
-            </p:cNvPr>
-            <p:cNvGrpSpPr/>
-            <p:nvPr/>
-          </p:nvGrpSpPr>
-          <p:grpSpPr>
-            <a:xfrm>
-              <a:off x="1512512" y="4374127"/>
-              <a:ext cx="2276057" cy="1340873"/>
-              <a:chOff x="1512512" y="4374127"/>
-              <a:chExt cx="2276057" cy="1340873"/>
-            </a:xfrm>
-          </p:grpSpPr>
-          <p:cxnSp>
-            <p:nvCxnSpPr>
-              <p:cNvPr id="8" name="Straight Arrow Connector 7">
-                <a:extLst>
-                  <a:ext uri="{FF2B5EF4-FFF2-40B4-BE49-F238E27FC236}">
-                    <a16:creationId xmlns:a16="http://schemas.microsoft.com/office/drawing/2014/main" id="{F9128884-0DA3-4862-94A6-7AF4B51B1AF2}"/>
-                  </a:ext>
-                </a:extLst>
-              </p:cNvPr>
-              <p:cNvCxnSpPr/>
-              <p:nvPr/>
-            </p:nvCxnSpPr>
-            <p:spPr>
-              <a:xfrm flipV="1">
-                <a:off x="2286000" y="4648200"/>
-                <a:ext cx="0" cy="1066800"/>
-              </a:xfrm>
-              <a:prstGeom prst="straightConnector1">
-                <a:avLst/>
-              </a:prstGeom>
-              <a:ln w="38100">
-                <a:solidFill>
-                  <a:srgbClr val="FF0000"/>
-                </a:solidFill>
-                <a:tailEnd type="triangle"/>
-              </a:ln>
-            </p:spPr>
-            <p:style>
-              <a:lnRef idx="1">
-                <a:schemeClr val="accent1"/>
-              </a:lnRef>
-              <a:fillRef idx="0">
-                <a:schemeClr val="accent1"/>
-              </a:fillRef>
-              <a:effectRef idx="0">
-                <a:schemeClr val="accent1"/>
-              </a:effectRef>
-              <a:fontRef idx="minor">
-                <a:schemeClr val="tx1"/>
-              </a:fontRef>
-            </p:style>
-          </p:cxnSp>
-          <p:cxnSp>
-            <p:nvCxnSpPr>
-              <p:cNvPr id="10" name="Straight Arrow Connector 9">
-                <a:extLst>
-                  <a:ext uri="{FF2B5EF4-FFF2-40B4-BE49-F238E27FC236}">
-                    <a16:creationId xmlns:a16="http://schemas.microsoft.com/office/drawing/2014/main" id="{E1D4415D-BC6C-4782-AE15-FCB9676600BB}"/>
-                  </a:ext>
-                </a:extLst>
-              </p:cNvPr>
-              <p:cNvCxnSpPr>
-                <a:cxnSpLocks/>
-              </p:cNvCxnSpPr>
-              <p:nvPr/>
-            </p:nvCxnSpPr>
-            <p:spPr>
-              <a:xfrm flipH="1" flipV="1">
-                <a:off x="2362200" y="4648200"/>
-                <a:ext cx="533400" cy="1066800"/>
-              </a:xfrm>
-              <a:prstGeom prst="straightConnector1">
-                <a:avLst/>
-              </a:prstGeom>
-              <a:ln w="38100">
-                <a:solidFill>
-                  <a:srgbClr val="FF0000"/>
-                </a:solidFill>
-                <a:tailEnd type="triangle"/>
-              </a:ln>
-            </p:spPr>
-            <p:style>
-              <a:lnRef idx="1">
-                <a:schemeClr val="accent1"/>
-              </a:lnRef>
-              <a:fillRef idx="0">
-                <a:schemeClr val="accent1"/>
-              </a:fillRef>
-              <a:effectRef idx="0">
-                <a:schemeClr val="accent1"/>
-              </a:effectRef>
-              <a:fontRef idx="minor">
-                <a:schemeClr val="tx1"/>
-              </a:fontRef>
-            </p:style>
-          </p:cxnSp>
-          <p:cxnSp>
-            <p:nvCxnSpPr>
-              <p:cNvPr id="12" name="Straight Arrow Connector 11">
-                <a:extLst>
-                  <a:ext uri="{FF2B5EF4-FFF2-40B4-BE49-F238E27FC236}">
-                    <a16:creationId xmlns:a16="http://schemas.microsoft.com/office/drawing/2014/main" id="{973CF362-ED91-404E-A180-E29D1B248B2E}"/>
-                  </a:ext>
-                </a:extLst>
-              </p:cNvPr>
-              <p:cNvCxnSpPr>
-                <a:cxnSpLocks/>
-              </p:cNvCxnSpPr>
-              <p:nvPr/>
-            </p:nvCxnSpPr>
-            <p:spPr>
-              <a:xfrm flipH="1" flipV="1">
-                <a:off x="2428875" y="4648200"/>
-                <a:ext cx="1152525" cy="1066800"/>
-              </a:xfrm>
-              <a:prstGeom prst="straightConnector1">
-                <a:avLst/>
-              </a:prstGeom>
-              <a:ln w="38100">
-                <a:solidFill>
-                  <a:srgbClr val="FF0000"/>
-                </a:solidFill>
-                <a:tailEnd type="triangle"/>
-              </a:ln>
-            </p:spPr>
-            <p:style>
-              <a:lnRef idx="1">
-                <a:schemeClr val="accent1"/>
-              </a:lnRef>
-              <a:fillRef idx="0">
-                <a:schemeClr val="accent1"/>
-              </a:fillRef>
-              <a:effectRef idx="0">
-                <a:schemeClr val="accent1"/>
-              </a:effectRef>
-              <a:fontRef idx="minor">
-                <a:schemeClr val="tx1"/>
-              </a:fontRef>
-            </p:style>
-          </p:cxnSp>
-          <p:sp>
-            <p:nvSpPr>
-              <p:cNvPr id="18" name="TextBox 17">
-                <a:extLst>
-                  <a:ext uri="{FF2B5EF4-FFF2-40B4-BE49-F238E27FC236}">
-                    <a16:creationId xmlns:a16="http://schemas.microsoft.com/office/drawing/2014/main" id="{7693144F-D9DD-4B81-BBD5-4D7C7337FDF9}"/>
-                  </a:ext>
-                </a:extLst>
-              </p:cNvPr>
-              <p:cNvSpPr txBox="1"/>
-              <p:nvPr/>
-            </p:nvSpPr>
-            <p:spPr>
-              <a:xfrm>
-                <a:off x="2645734" y="4374127"/>
-                <a:ext cx="542924" cy="369332"/>
-              </a:xfrm>
-              <a:prstGeom prst="rect">
-                <a:avLst/>
-              </a:prstGeom>
-              <a:noFill/>
-            </p:spPr>
-            <p:txBody>
-              <a:bodyPr wrap="square">
-                <a:spAutoFit/>
-              </a:bodyPr>
-              <a:lstStyle/>
-              <a:p>
-                <a:pPr algn="ctr"/>
-                <a:r>
-                  <a:rPr lang="en-US" b="1" dirty="0">
-                    <a:solidFill>
-                      <a:srgbClr val="FF0000"/>
-                    </a:solidFill>
-                  </a:rPr>
-                  <a:t>1</a:t>
-                </a:r>
-                <a:endParaRPr lang="en-US" dirty="0"/>
-              </a:p>
-            </p:txBody>
-          </p:sp>
-          <p:sp>
-            <p:nvSpPr>
-              <p:cNvPr id="19" name="TextBox 18">
-                <a:extLst>
-                  <a:ext uri="{FF2B5EF4-FFF2-40B4-BE49-F238E27FC236}">
-                    <a16:creationId xmlns:a16="http://schemas.microsoft.com/office/drawing/2014/main" id="{5AE735A0-FF2F-45F0-BFFD-DA2B683D5B15}"/>
-                  </a:ext>
-                </a:extLst>
-              </p:cNvPr>
-              <p:cNvSpPr txBox="1"/>
-              <p:nvPr/>
-            </p:nvSpPr>
-            <p:spPr>
-              <a:xfrm>
-                <a:off x="3245645" y="4375025"/>
-                <a:ext cx="542924" cy="369332"/>
-              </a:xfrm>
-              <a:prstGeom prst="rect">
-                <a:avLst/>
-              </a:prstGeom>
-              <a:noFill/>
-            </p:spPr>
-            <p:txBody>
-              <a:bodyPr wrap="square">
-                <a:spAutoFit/>
-              </a:bodyPr>
-              <a:lstStyle/>
-              <a:p>
-                <a:pPr algn="ctr"/>
-                <a:r>
-                  <a:rPr lang="en-US" b="1" dirty="0">
-                    <a:solidFill>
-                      <a:srgbClr val="FF0000"/>
-                    </a:solidFill>
-                  </a:rPr>
-                  <a:t>1</a:t>
-                </a:r>
-                <a:endParaRPr lang="en-US" dirty="0"/>
-              </a:p>
-            </p:txBody>
-          </p:sp>
-          <p:sp>
-            <p:nvSpPr>
-              <p:cNvPr id="40" name="TextBox 39">
-                <a:extLst>
-                  <a:ext uri="{FF2B5EF4-FFF2-40B4-BE49-F238E27FC236}">
-                    <a16:creationId xmlns:a16="http://schemas.microsoft.com/office/drawing/2014/main" id="{75DCB4CC-0442-44E5-96C2-A4225E1DF21B}"/>
-                  </a:ext>
-                </a:extLst>
-              </p:cNvPr>
-              <p:cNvSpPr txBox="1"/>
-              <p:nvPr/>
-            </p:nvSpPr>
-            <p:spPr>
-              <a:xfrm>
-                <a:off x="1512512" y="4764314"/>
-                <a:ext cx="551754" cy="369332"/>
-              </a:xfrm>
-              <a:prstGeom prst="rect">
-                <a:avLst/>
-              </a:prstGeom>
-              <a:noFill/>
-            </p:spPr>
-            <p:txBody>
-              <a:bodyPr wrap="none" rtlCol="0">
-                <a:spAutoFit/>
-              </a:bodyPr>
-              <a:lstStyle/>
-              <a:p>
-                <a:r>
-                  <a:rPr lang="en-US" b="1" dirty="0">
-                    <a:solidFill>
-                      <a:srgbClr val="FF0000"/>
-                    </a:solidFill>
-                  </a:rPr>
-                  <a:t>min</a:t>
-                </a:r>
-              </a:p>
-            </p:txBody>
-          </p:sp>
-          <p:sp>
-            <p:nvSpPr>
-              <p:cNvPr id="41" name="TextBox 40">
-                <a:extLst>
-                  <a:ext uri="{FF2B5EF4-FFF2-40B4-BE49-F238E27FC236}">
-                    <a16:creationId xmlns:a16="http://schemas.microsoft.com/office/drawing/2014/main" id="{94FCD2C6-5754-4E9A-818A-3CD266038AD4}"/>
-                  </a:ext>
-                </a:extLst>
-              </p:cNvPr>
-              <p:cNvSpPr txBox="1"/>
-              <p:nvPr/>
-            </p:nvSpPr>
-            <p:spPr>
-              <a:xfrm>
-                <a:off x="1621376" y="5089745"/>
-                <a:ext cx="348172" cy="369332"/>
-              </a:xfrm>
-              <a:prstGeom prst="rect">
-                <a:avLst/>
-              </a:prstGeom>
-              <a:noFill/>
-            </p:spPr>
-            <p:txBody>
-              <a:bodyPr wrap="none" rtlCol="0">
-                <a:spAutoFit/>
-              </a:bodyPr>
-              <a:lstStyle/>
-              <a:p>
-                <a:r>
-                  <a:rPr lang="en-US" b="1" dirty="0">
-                    <a:solidFill>
-                      <a:srgbClr val="FF0000"/>
-                    </a:solidFill>
-                  </a:rPr>
-                  <a:t>…</a:t>
-                </a:r>
-              </a:p>
-            </p:txBody>
-          </p:sp>
-        </p:grpSp>
-        <p:sp>
-          <p:nvSpPr>
-            <p:cNvPr id="5" name="TextBox 4">
-              <a:extLst>
-                <a:ext uri="{FF2B5EF4-FFF2-40B4-BE49-F238E27FC236}">
-                  <a16:creationId xmlns:a16="http://schemas.microsoft.com/office/drawing/2014/main" id="{0D34C3C6-3213-96D8-D585-18479E65DA0D}"/>
-                </a:ext>
-              </a:extLst>
-            </p:cNvPr>
-            <p:cNvSpPr txBox="1"/>
-            <p:nvPr/>
-          </p:nvSpPr>
-          <p:spPr>
-            <a:xfrm>
-              <a:off x="2032636" y="4307272"/>
-              <a:ext cx="542924" cy="461665"/>
-            </a:xfrm>
-            <a:prstGeom prst="rect">
-              <a:avLst/>
-            </a:prstGeom>
-            <a:noFill/>
-          </p:spPr>
-          <p:txBody>
-            <a:bodyPr wrap="square">
-              <a:spAutoFit/>
-            </a:bodyPr>
-            <a:lstStyle/>
-            <a:p>
-              <a:pPr algn="ctr"/>
-              <a:r>
-                <a:rPr lang="en-US" sz="2400" b="1" dirty="0">
-                  <a:solidFill>
-                    <a:srgbClr val="FF0000"/>
-                  </a:solidFill>
-                </a:rPr>
-                <a:t>0</a:t>
-              </a:r>
-              <a:r>
-                <a:rPr lang="en-US" sz="1600" b="1" dirty="0">
-                  <a:solidFill>
-                    <a:srgbClr val="FF0000"/>
-                  </a:solidFill>
-                </a:rPr>
-                <a:t> </a:t>
-              </a:r>
-              <a:endParaRPr lang="en-US" sz="1600" dirty="0"/>
-            </a:p>
-          </p:txBody>
-        </p:sp>
-      </p:grpSp>
       <p:sp>
         <p:nvSpPr>
           <p:cNvPr id="7" name="TextBox 6">
@@ -15303,6 +14922,587 @@
           </a:p>
         </p:txBody>
       </p:sp>
+      <p:grpSp>
+        <p:nvGrpSpPr>
+          <p:cNvPr id="62" name="Group 61">
+            <a:extLst>
+              <a:ext uri="{FF2B5EF4-FFF2-40B4-BE49-F238E27FC236}">
+                <a16:creationId xmlns:a16="http://schemas.microsoft.com/office/drawing/2014/main" id="{3C3D9F96-EAFA-CB22-52D4-027EA6065F65}"/>
+              </a:ext>
+            </a:extLst>
+          </p:cNvPr>
+          <p:cNvGrpSpPr/>
+          <p:nvPr/>
+        </p:nvGrpSpPr>
+        <p:grpSpPr>
+          <a:xfrm>
+            <a:off x="1512512" y="4307272"/>
+            <a:ext cx="2747963" cy="1407728"/>
+            <a:chOff x="1512512" y="4307272"/>
+            <a:chExt cx="2747963" cy="1407728"/>
+          </a:xfrm>
+        </p:grpSpPr>
+        <p:grpSp>
+          <p:nvGrpSpPr>
+            <p:cNvPr id="16" name="Group 15">
+              <a:extLst>
+                <a:ext uri="{FF2B5EF4-FFF2-40B4-BE49-F238E27FC236}">
+                  <a16:creationId xmlns:a16="http://schemas.microsoft.com/office/drawing/2014/main" id="{D0180724-435B-86AE-DF86-6E2BD2F28E1A}"/>
+                </a:ext>
+              </a:extLst>
+            </p:cNvPr>
+            <p:cNvGrpSpPr/>
+            <p:nvPr/>
+          </p:nvGrpSpPr>
+          <p:grpSpPr>
+            <a:xfrm>
+              <a:off x="1512512" y="4307272"/>
+              <a:ext cx="2276057" cy="1407728"/>
+              <a:chOff x="1512512" y="4307272"/>
+              <a:chExt cx="2276057" cy="1407728"/>
+            </a:xfrm>
+          </p:grpSpPr>
+          <p:grpSp>
+            <p:nvGrpSpPr>
+              <p:cNvPr id="13" name="Group 12">
+                <a:extLst>
+                  <a:ext uri="{FF2B5EF4-FFF2-40B4-BE49-F238E27FC236}">
+                    <a16:creationId xmlns:a16="http://schemas.microsoft.com/office/drawing/2014/main" id="{3C9A5B83-7492-02D1-B11F-438FDE55DD4E}"/>
+                  </a:ext>
+                </a:extLst>
+              </p:cNvPr>
+              <p:cNvGrpSpPr/>
+              <p:nvPr/>
+            </p:nvGrpSpPr>
+            <p:grpSpPr>
+              <a:xfrm>
+                <a:off x="1512512" y="4374127"/>
+                <a:ext cx="2276057" cy="1340873"/>
+                <a:chOff x="1512512" y="4374127"/>
+                <a:chExt cx="2276057" cy="1340873"/>
+              </a:xfrm>
+            </p:grpSpPr>
+            <p:cxnSp>
+              <p:nvCxnSpPr>
+                <p:cNvPr id="8" name="Straight Arrow Connector 7">
+                  <a:extLst>
+                    <a:ext uri="{FF2B5EF4-FFF2-40B4-BE49-F238E27FC236}">
+                      <a16:creationId xmlns:a16="http://schemas.microsoft.com/office/drawing/2014/main" id="{F9128884-0DA3-4862-94A6-7AF4B51B1AF2}"/>
+                    </a:ext>
+                  </a:extLst>
+                </p:cNvPr>
+                <p:cNvCxnSpPr>
+                  <a:cxnSpLocks/>
+                </p:cNvCxnSpPr>
+                <p:nvPr/>
+              </p:nvCxnSpPr>
+              <p:spPr>
+                <a:xfrm flipH="1" flipV="1">
+                  <a:off x="2282430" y="5459077"/>
+                  <a:ext cx="3570" cy="255923"/>
+                </a:xfrm>
+                <a:prstGeom prst="straightConnector1">
+                  <a:avLst/>
+                </a:prstGeom>
+                <a:ln w="38100">
+                  <a:solidFill>
+                    <a:srgbClr val="FF0000"/>
+                  </a:solidFill>
+                  <a:tailEnd type="triangle"/>
+                </a:ln>
+              </p:spPr>
+              <p:style>
+                <a:lnRef idx="1">
+                  <a:schemeClr val="accent1"/>
+                </a:lnRef>
+                <a:fillRef idx="0">
+                  <a:schemeClr val="accent1"/>
+                </a:fillRef>
+                <a:effectRef idx="0">
+                  <a:schemeClr val="accent1"/>
+                </a:effectRef>
+                <a:fontRef idx="minor">
+                  <a:schemeClr val="tx1"/>
+                </a:fontRef>
+              </p:style>
+            </p:cxnSp>
+            <p:cxnSp>
+              <p:nvCxnSpPr>
+                <p:cNvPr id="10" name="Straight Arrow Connector 9">
+                  <a:extLst>
+                    <a:ext uri="{FF2B5EF4-FFF2-40B4-BE49-F238E27FC236}">
+                      <a16:creationId xmlns:a16="http://schemas.microsoft.com/office/drawing/2014/main" id="{E1D4415D-BC6C-4782-AE15-FCB9676600BB}"/>
+                    </a:ext>
+                  </a:extLst>
+                </p:cNvPr>
+                <p:cNvCxnSpPr>
+                  <a:cxnSpLocks/>
+                </p:cNvCxnSpPr>
+                <p:nvPr/>
+              </p:nvCxnSpPr>
+              <p:spPr>
+                <a:xfrm flipV="1">
+                  <a:off x="2895600" y="5459077"/>
+                  <a:ext cx="0" cy="255923"/>
+                </a:xfrm>
+                <a:prstGeom prst="straightConnector1">
+                  <a:avLst/>
+                </a:prstGeom>
+                <a:ln w="38100">
+                  <a:solidFill>
+                    <a:srgbClr val="FF0000"/>
+                  </a:solidFill>
+                  <a:tailEnd type="triangle"/>
+                </a:ln>
+              </p:spPr>
+              <p:style>
+                <a:lnRef idx="1">
+                  <a:schemeClr val="accent1"/>
+                </a:lnRef>
+                <a:fillRef idx="0">
+                  <a:schemeClr val="accent1"/>
+                </a:fillRef>
+                <a:effectRef idx="0">
+                  <a:schemeClr val="accent1"/>
+                </a:effectRef>
+                <a:fontRef idx="minor">
+                  <a:schemeClr val="tx1"/>
+                </a:fontRef>
+              </p:style>
+            </p:cxnSp>
+            <p:cxnSp>
+              <p:nvCxnSpPr>
+                <p:cNvPr id="12" name="Straight Arrow Connector 11">
+                  <a:extLst>
+                    <a:ext uri="{FF2B5EF4-FFF2-40B4-BE49-F238E27FC236}">
+                      <a16:creationId xmlns:a16="http://schemas.microsoft.com/office/drawing/2014/main" id="{973CF362-ED91-404E-A180-E29D1B248B2E}"/>
+                    </a:ext>
+                  </a:extLst>
+                </p:cNvPr>
+                <p:cNvCxnSpPr>
+                  <a:cxnSpLocks/>
+                </p:cNvCxnSpPr>
+                <p:nvPr/>
+              </p:nvCxnSpPr>
+              <p:spPr>
+                <a:xfrm flipV="1">
+                  <a:off x="3581400" y="5410200"/>
+                  <a:ext cx="0" cy="304800"/>
+                </a:xfrm>
+                <a:prstGeom prst="straightConnector1">
+                  <a:avLst/>
+                </a:prstGeom>
+                <a:ln w="38100">
+                  <a:solidFill>
+                    <a:srgbClr val="FF0000"/>
+                  </a:solidFill>
+                  <a:tailEnd type="triangle"/>
+                </a:ln>
+              </p:spPr>
+              <p:style>
+                <a:lnRef idx="1">
+                  <a:schemeClr val="accent1"/>
+                </a:lnRef>
+                <a:fillRef idx="0">
+                  <a:schemeClr val="accent1"/>
+                </a:fillRef>
+                <a:effectRef idx="0">
+                  <a:schemeClr val="accent1"/>
+                </a:effectRef>
+                <a:fontRef idx="minor">
+                  <a:schemeClr val="tx1"/>
+                </a:fontRef>
+              </p:style>
+            </p:cxnSp>
+            <p:sp>
+              <p:nvSpPr>
+                <p:cNvPr id="18" name="TextBox 17">
+                  <a:extLst>
+                    <a:ext uri="{FF2B5EF4-FFF2-40B4-BE49-F238E27FC236}">
+                      <a16:creationId xmlns:a16="http://schemas.microsoft.com/office/drawing/2014/main" id="{7693144F-D9DD-4B81-BBD5-4D7C7337FDF9}"/>
+                    </a:ext>
+                  </a:extLst>
+                </p:cNvPr>
+                <p:cNvSpPr txBox="1"/>
+                <p:nvPr/>
+              </p:nvSpPr>
+              <p:spPr>
+                <a:xfrm>
+                  <a:off x="2645734" y="4374127"/>
+                  <a:ext cx="542924" cy="369332"/>
+                </a:xfrm>
+                <a:prstGeom prst="rect">
+                  <a:avLst/>
+                </a:prstGeom>
+                <a:noFill/>
+              </p:spPr>
+              <p:txBody>
+                <a:bodyPr wrap="square">
+                  <a:spAutoFit/>
+                </a:bodyPr>
+                <a:lstStyle/>
+                <a:p>
+                  <a:pPr algn="ctr"/>
+                  <a:r>
+                    <a:rPr lang="en-US" b="1" dirty="0">
+                      <a:solidFill>
+                        <a:srgbClr val="FF0000"/>
+                      </a:solidFill>
+                    </a:rPr>
+                    <a:t>1</a:t>
+                  </a:r>
+                  <a:endParaRPr lang="en-US" dirty="0"/>
+                </a:p>
+              </p:txBody>
+            </p:sp>
+            <p:sp>
+              <p:nvSpPr>
+                <p:cNvPr id="19" name="TextBox 18">
+                  <a:extLst>
+                    <a:ext uri="{FF2B5EF4-FFF2-40B4-BE49-F238E27FC236}">
+                      <a16:creationId xmlns:a16="http://schemas.microsoft.com/office/drawing/2014/main" id="{5AE735A0-FF2F-45F0-BFFD-DA2B683D5B15}"/>
+                    </a:ext>
+                  </a:extLst>
+                </p:cNvPr>
+                <p:cNvSpPr txBox="1"/>
+                <p:nvPr/>
+              </p:nvSpPr>
+              <p:spPr>
+                <a:xfrm>
+                  <a:off x="3245645" y="4375025"/>
+                  <a:ext cx="542924" cy="369332"/>
+                </a:xfrm>
+                <a:prstGeom prst="rect">
+                  <a:avLst/>
+                </a:prstGeom>
+                <a:noFill/>
+              </p:spPr>
+              <p:txBody>
+                <a:bodyPr wrap="square">
+                  <a:spAutoFit/>
+                </a:bodyPr>
+                <a:lstStyle/>
+                <a:p>
+                  <a:pPr algn="ctr"/>
+                  <a:r>
+                    <a:rPr lang="en-US" b="1" dirty="0">
+                      <a:solidFill>
+                        <a:srgbClr val="FF0000"/>
+                      </a:solidFill>
+                    </a:rPr>
+                    <a:t>1</a:t>
+                  </a:r>
+                  <a:endParaRPr lang="en-US" dirty="0"/>
+                </a:p>
+              </p:txBody>
+            </p:sp>
+            <p:sp>
+              <p:nvSpPr>
+                <p:cNvPr id="40" name="TextBox 39">
+                  <a:extLst>
+                    <a:ext uri="{FF2B5EF4-FFF2-40B4-BE49-F238E27FC236}">
+                      <a16:creationId xmlns:a16="http://schemas.microsoft.com/office/drawing/2014/main" id="{75DCB4CC-0442-44E5-96C2-A4225E1DF21B}"/>
+                    </a:ext>
+                  </a:extLst>
+                </p:cNvPr>
+                <p:cNvSpPr txBox="1"/>
+                <p:nvPr/>
+              </p:nvSpPr>
+              <p:spPr>
+                <a:xfrm>
+                  <a:off x="1512512" y="4764314"/>
+                  <a:ext cx="551754" cy="369332"/>
+                </a:xfrm>
+                <a:prstGeom prst="rect">
+                  <a:avLst/>
+                </a:prstGeom>
+                <a:noFill/>
+              </p:spPr>
+              <p:txBody>
+                <a:bodyPr wrap="none" rtlCol="0">
+                  <a:spAutoFit/>
+                </a:bodyPr>
+                <a:lstStyle/>
+                <a:p>
+                  <a:r>
+                    <a:rPr lang="en-US" b="1" dirty="0">
+                      <a:solidFill>
+                        <a:srgbClr val="FF0000"/>
+                      </a:solidFill>
+                    </a:rPr>
+                    <a:t>min</a:t>
+                  </a:r>
+                </a:p>
+              </p:txBody>
+            </p:sp>
+            <p:sp>
+              <p:nvSpPr>
+                <p:cNvPr id="41" name="TextBox 40">
+                  <a:extLst>
+                    <a:ext uri="{FF2B5EF4-FFF2-40B4-BE49-F238E27FC236}">
+                      <a16:creationId xmlns:a16="http://schemas.microsoft.com/office/drawing/2014/main" id="{94FCD2C6-5754-4E9A-818A-3CD266038AD4}"/>
+                    </a:ext>
+                  </a:extLst>
+                </p:cNvPr>
+                <p:cNvSpPr txBox="1"/>
+                <p:nvPr/>
+              </p:nvSpPr>
+              <p:spPr>
+                <a:xfrm>
+                  <a:off x="1621376" y="5089745"/>
+                  <a:ext cx="348172" cy="369332"/>
+                </a:xfrm>
+                <a:prstGeom prst="rect">
+                  <a:avLst/>
+                </a:prstGeom>
+                <a:noFill/>
+              </p:spPr>
+              <p:txBody>
+                <a:bodyPr wrap="none" rtlCol="0">
+                  <a:spAutoFit/>
+                </a:bodyPr>
+                <a:lstStyle/>
+                <a:p>
+                  <a:r>
+                    <a:rPr lang="en-US" b="1" dirty="0">
+                      <a:solidFill>
+                        <a:srgbClr val="FF0000"/>
+                      </a:solidFill>
+                    </a:rPr>
+                    <a:t>…</a:t>
+                  </a:r>
+                </a:p>
+              </p:txBody>
+            </p:sp>
+          </p:grpSp>
+          <p:sp>
+            <p:nvSpPr>
+              <p:cNvPr id="5" name="TextBox 4">
+                <a:extLst>
+                  <a:ext uri="{FF2B5EF4-FFF2-40B4-BE49-F238E27FC236}">
+                    <a16:creationId xmlns:a16="http://schemas.microsoft.com/office/drawing/2014/main" id="{0D34C3C6-3213-96D8-D585-18479E65DA0D}"/>
+                  </a:ext>
+                </a:extLst>
+              </p:cNvPr>
+              <p:cNvSpPr txBox="1"/>
+              <p:nvPr/>
+            </p:nvSpPr>
+            <p:spPr>
+              <a:xfrm>
+                <a:off x="2032636" y="4307272"/>
+                <a:ext cx="542924" cy="461665"/>
+              </a:xfrm>
+              <a:prstGeom prst="rect">
+                <a:avLst/>
+              </a:prstGeom>
+              <a:noFill/>
+            </p:spPr>
+            <p:txBody>
+              <a:bodyPr wrap="square">
+                <a:spAutoFit/>
+              </a:bodyPr>
+              <a:lstStyle/>
+              <a:p>
+                <a:pPr algn="ctr"/>
+                <a:r>
+                  <a:rPr lang="en-US" sz="2400" b="1" dirty="0">
+                    <a:solidFill>
+                      <a:srgbClr val="FF0000"/>
+                    </a:solidFill>
+                  </a:rPr>
+                  <a:t>0</a:t>
+                </a:r>
+                <a:r>
+                  <a:rPr lang="en-US" sz="1600" b="1" dirty="0">
+                    <a:solidFill>
+                      <a:srgbClr val="FF0000"/>
+                    </a:solidFill>
+                  </a:rPr>
+                  <a:t> </a:t>
+                </a:r>
+                <a:endParaRPr lang="en-US" sz="1600" dirty="0"/>
+              </a:p>
+            </p:txBody>
+          </p:sp>
+        </p:grpSp>
+        <p:cxnSp>
+          <p:nvCxnSpPr>
+            <p:cNvPr id="25" name="Straight Arrow Connector 24">
+              <a:extLst>
+                <a:ext uri="{FF2B5EF4-FFF2-40B4-BE49-F238E27FC236}">
+                  <a16:creationId xmlns:a16="http://schemas.microsoft.com/office/drawing/2014/main" id="{51D2C518-08CF-844E-1357-090566EECE48}"/>
+                </a:ext>
+              </a:extLst>
+            </p:cNvPr>
+            <p:cNvCxnSpPr>
+              <a:cxnSpLocks/>
+            </p:cNvCxnSpPr>
+            <p:nvPr/>
+          </p:nvCxnSpPr>
+          <p:spPr>
+            <a:xfrm flipV="1">
+              <a:off x="2264275" y="4764314"/>
+              <a:ext cx="18155" cy="325431"/>
+            </a:xfrm>
+            <a:prstGeom prst="straightConnector1">
+              <a:avLst/>
+            </a:prstGeom>
+            <a:ln w="38100">
+              <a:solidFill>
+                <a:srgbClr val="FF0000"/>
+              </a:solidFill>
+              <a:tailEnd type="triangle"/>
+            </a:ln>
+          </p:spPr>
+          <p:style>
+            <a:lnRef idx="1">
+              <a:schemeClr val="accent1"/>
+            </a:lnRef>
+            <a:fillRef idx="0">
+              <a:schemeClr val="accent1"/>
+            </a:fillRef>
+            <a:effectRef idx="0">
+              <a:schemeClr val="accent1"/>
+            </a:effectRef>
+            <a:fontRef idx="minor">
+              <a:schemeClr val="tx1"/>
+            </a:fontRef>
+          </p:style>
+        </p:cxnSp>
+        <p:cxnSp>
+          <p:nvCxnSpPr>
+            <p:cNvPr id="26" name="Straight Arrow Connector 25">
+              <a:extLst>
+                <a:ext uri="{FF2B5EF4-FFF2-40B4-BE49-F238E27FC236}">
+                  <a16:creationId xmlns:a16="http://schemas.microsoft.com/office/drawing/2014/main" id="{9B3A5B5A-346F-85C9-C85E-7F91A8B8E094}"/>
+                </a:ext>
+              </a:extLst>
+            </p:cNvPr>
+            <p:cNvCxnSpPr>
+              <a:cxnSpLocks/>
+              <a:endCxn id="5" idx="2"/>
+            </p:cNvCxnSpPr>
+            <p:nvPr/>
+          </p:nvCxnSpPr>
+          <p:spPr>
+            <a:xfrm flipH="1" flipV="1">
+              <a:off x="2304098" y="4768937"/>
+              <a:ext cx="613098" cy="398374"/>
+            </a:xfrm>
+            <a:prstGeom prst="straightConnector1">
+              <a:avLst/>
+            </a:prstGeom>
+            <a:ln w="38100">
+              <a:solidFill>
+                <a:srgbClr val="FF0000"/>
+              </a:solidFill>
+              <a:tailEnd type="triangle"/>
+            </a:ln>
+          </p:spPr>
+          <p:style>
+            <a:lnRef idx="1">
+              <a:schemeClr val="accent1"/>
+            </a:lnRef>
+            <a:fillRef idx="0">
+              <a:schemeClr val="accent1"/>
+            </a:fillRef>
+            <a:effectRef idx="0">
+              <a:schemeClr val="accent1"/>
+            </a:effectRef>
+            <a:fontRef idx="minor">
+              <a:schemeClr val="tx1"/>
+            </a:fontRef>
+          </p:style>
+        </p:cxnSp>
+        <p:cxnSp>
+          <p:nvCxnSpPr>
+            <p:cNvPr id="30" name="Straight Arrow Connector 29">
+              <a:extLst>
+                <a:ext uri="{FF2B5EF4-FFF2-40B4-BE49-F238E27FC236}">
+                  <a16:creationId xmlns:a16="http://schemas.microsoft.com/office/drawing/2014/main" id="{91934F76-7A4A-08CD-B31D-43F690CDA604}"/>
+                </a:ext>
+              </a:extLst>
+            </p:cNvPr>
+            <p:cNvCxnSpPr>
+              <a:cxnSpLocks/>
+            </p:cNvCxnSpPr>
+            <p:nvPr/>
+          </p:nvCxnSpPr>
+          <p:spPr>
+            <a:xfrm flipH="1" flipV="1">
+              <a:off x="2423598" y="4697204"/>
+              <a:ext cx="1141016" cy="502619"/>
+            </a:xfrm>
+            <a:prstGeom prst="straightConnector1">
+              <a:avLst/>
+            </a:prstGeom>
+            <a:ln w="38100">
+              <a:solidFill>
+                <a:srgbClr val="FF0000"/>
+              </a:solidFill>
+              <a:tailEnd type="triangle"/>
+            </a:ln>
+          </p:spPr>
+          <p:style>
+            <a:lnRef idx="1">
+              <a:schemeClr val="accent1"/>
+            </a:lnRef>
+            <a:fillRef idx="0">
+              <a:schemeClr val="accent1"/>
+            </a:fillRef>
+            <a:effectRef idx="0">
+              <a:schemeClr val="accent1"/>
+            </a:effectRef>
+            <a:fontRef idx="minor">
+              <a:schemeClr val="tx1"/>
+            </a:fontRef>
+          </p:style>
+        </p:cxnSp>
+        <p:cxnSp>
+          <p:nvCxnSpPr>
+            <p:cNvPr id="35" name="Straight Arrow Connector 34">
+              <a:extLst>
+                <a:ext uri="{FF2B5EF4-FFF2-40B4-BE49-F238E27FC236}">
+                  <a16:creationId xmlns:a16="http://schemas.microsoft.com/office/drawing/2014/main" id="{7B209E62-ECC1-394D-32CA-642059F45A67}"/>
+                </a:ext>
+              </a:extLst>
+            </p:cNvPr>
+            <p:cNvCxnSpPr>
+              <a:cxnSpLocks/>
+            </p:cNvCxnSpPr>
+            <p:nvPr/>
+          </p:nvCxnSpPr>
+          <p:spPr>
+            <a:xfrm flipH="1" flipV="1">
+              <a:off x="2413258" y="4642128"/>
+              <a:ext cx="1847217" cy="577772"/>
+            </a:xfrm>
+            <a:prstGeom prst="straightConnector1">
+              <a:avLst/>
+            </a:prstGeom>
+            <a:ln w="38100">
+              <a:solidFill>
+                <a:srgbClr val="FF0000"/>
+              </a:solidFill>
+              <a:tailEnd type="triangle"/>
+            </a:ln>
+          </p:spPr>
+          <p:style>
+            <a:lnRef idx="1">
+              <a:schemeClr val="accent1"/>
+            </a:lnRef>
+            <a:fillRef idx="0">
+              <a:schemeClr val="accent1"/>
+            </a:fillRef>
+            <a:effectRef idx="0">
+              <a:schemeClr val="accent1"/>
+            </a:effectRef>
+            <a:fontRef idx="minor">
+              <a:schemeClr val="tx1"/>
+            </a:fontRef>
+          </p:style>
+        </p:cxnSp>
+      </p:grpSp>
     </p:spTree>
     <p:extLst>
       <p:ext uri="{BB962C8B-B14F-4D97-AF65-F5344CB8AC3E}">
@@ -15392,7 +15592,7 @@
                                           </p:stCondLst>
                                         </p:cTn>
                                         <p:tgtEl>
-                                          <p:spTgt spid="16"/>
+                                          <p:spTgt spid="62"/>
                                         </p:tgtEl>
                                         <p:attrNameLst>
                                           <p:attrName>style.visibility</p:attrName>
